--- a/2-dice/dice.pptx
+++ b/2-dice/dice.pptx
@@ -3262,20 +3262,7 @@
                 <a:latin typeface="微软雅黑" pitchFamily="34" charset="-122"/>
                 <a:ea typeface="微软雅黑" pitchFamily="34" charset="-122"/>
               </a:rPr>
-              <a:t>讲  旋转的骰子</a:t>
-            </a:r>
-            <a:r>
-              <a:rPr lang="zh-CN" altLang="en-US" sz="3200" dirty="0" smtClean="0">
-                <a:solidFill>
-                  <a:schemeClr val="tx1">
-                    <a:lumMod val="75000"/>
-                    <a:lumOff val="25000"/>
-                  </a:schemeClr>
-                </a:solidFill>
-                <a:latin typeface="微软雅黑" pitchFamily="34" charset="-122"/>
-                <a:ea typeface="微软雅黑" pitchFamily="34" charset="-122"/>
-              </a:rPr>
-              <a:t>（一）</a:t>
+              <a:t>讲  旋转的骰子（一）</a:t>
             </a:r>
             <a:r>
               <a:rPr lang="en-US" altLang="zh-CN" dirty="0" smtClean="0">
@@ -4338,11 +4325,7 @@
             </a:r>
             <a:r>
               <a:rPr lang="zh-CN" altLang="en-US" dirty="0" smtClean="0"/>
-              <a:t>）</a:t>
-            </a:r>
-            <a:r>
-              <a:rPr lang="zh-CN" altLang="en-US" dirty="0" smtClean="0"/>
-              <a:t>垂直排列，均匀分布</a:t>
+              <a:t>）垂直排列，均匀分布</a:t>
             </a:r>
             <a:endParaRPr lang="en-US" altLang="zh-CN" dirty="0" smtClean="0"/>
           </a:p>
@@ -6095,59 +6078,7 @@
                 <a:latin typeface="微软雅黑" pitchFamily="34" charset="-122"/>
                 <a:ea typeface="微软雅黑" pitchFamily="34" charset="-122"/>
               </a:rPr>
-              <a:t>属性的旋转和平移</a:t>
-            </a:r>
-            <a:r>
-              <a:rPr lang="zh-CN" altLang="en-US" dirty="0" smtClean="0">
-                <a:solidFill>
-                  <a:schemeClr val="tx1">
-                    <a:lumMod val="75000"/>
-                    <a:lumOff val="25000"/>
-                  </a:schemeClr>
-                </a:solidFill>
-                <a:latin typeface="微软雅黑" pitchFamily="34" charset="-122"/>
-                <a:ea typeface="微软雅黑" pitchFamily="34" charset="-122"/>
-              </a:rPr>
-              <a:t>函数，来</a:t>
-            </a:r>
-            <a:r>
-              <a:rPr lang="zh-CN" altLang="en-US" dirty="0" smtClean="0">
-                <a:solidFill>
-                  <a:schemeClr val="tx1">
-                    <a:lumMod val="75000"/>
-                    <a:lumOff val="25000"/>
-                  </a:schemeClr>
-                </a:solidFill>
-                <a:latin typeface="微软雅黑" pitchFamily="34" charset="-122"/>
-                <a:ea typeface="微软雅黑" pitchFamily="34" charset="-122"/>
-              </a:rPr>
-              <a:t>让它们处于正确的方位和方向，拼接成一个立方体</a:t>
-            </a:r>
-            <a:r>
-              <a:rPr lang="zh-CN" altLang="en-US" dirty="0" smtClean="0">
-                <a:solidFill>
-                  <a:schemeClr val="tx1">
-                    <a:lumMod val="75000"/>
-                    <a:lumOff val="25000"/>
-                  </a:schemeClr>
-                </a:solidFill>
-                <a:latin typeface="微软雅黑" pitchFamily="34" charset="-122"/>
-                <a:ea typeface="微软雅黑" pitchFamily="34" charset="-122"/>
-              </a:rPr>
-              <a:t>。而且我们需要将</a:t>
-            </a:r>
-            <a:r>
-              <a:rPr lang="zh-CN" altLang="en-US" dirty="0" smtClean="0">
-                <a:solidFill>
-                  <a:schemeClr val="tx1">
-                    <a:lumMod val="75000"/>
-                    <a:lumOff val="25000"/>
-                  </a:schemeClr>
-                </a:solidFill>
-                <a:latin typeface="微软雅黑" pitchFamily="34" charset="-122"/>
-                <a:ea typeface="微软雅黑" pitchFamily="34" charset="-122"/>
-              </a:rPr>
-              <a:t>元素的</a:t>
+              <a:t>属性的旋转和平移函数，来让它们处于正确的方位和方向，拼接成一个立方体。而且我们需要将元素的</a:t>
             </a:r>
             <a:r>
               <a:rPr lang="en-US" altLang="zh-CN" dirty="0" smtClean="0">
@@ -6904,7 +6835,6 @@
                 <a:rPr lang="zh-CN" altLang="en-US" dirty="0"/>
                 <a:t>左</a:t>
               </a:r>
-              <a:endParaRPr lang="zh-CN" altLang="en-US" dirty="0"/>
             </a:p>
           </p:txBody>
         </p:sp>
@@ -6964,7 +6894,6 @@
                 <a:rPr lang="zh-CN" altLang="en-US" dirty="0"/>
                 <a:t>后</a:t>
               </a:r>
-              <a:endParaRPr lang="zh-CN" altLang="en-US" dirty="0"/>
             </a:p>
           </p:txBody>
         </p:sp>
@@ -7024,7 +6953,6 @@
                 <a:rPr lang="zh-CN" altLang="en-US" dirty="0"/>
                 <a:t>下</a:t>
               </a:r>
-              <a:endParaRPr lang="zh-CN" altLang="en-US" dirty="0"/>
             </a:p>
           </p:txBody>
         </p:sp>
@@ -8762,10 +8690,10 @@
                 <a:latin typeface="微软雅黑" pitchFamily="34" charset="-122"/>
                 <a:ea typeface="微软雅黑" pitchFamily="34" charset="-122"/>
               </a:rPr>
-              <a:t>g</a:t>
-            </a:r>
-            <a:r>
-              <a:rPr lang="en-US" altLang="zh-CN" dirty="0" smtClean="0">
+              <a:t>g.</a:t>
+            </a:r>
+            <a:r>
+              <a:rPr lang="zh-CN" altLang="en-US" dirty="0" smtClean="0">
                 <a:solidFill>
                   <a:schemeClr val="tx1">
                     <a:lumMod val="75000"/>
@@ -8775,33 +8703,7 @@
                 <a:latin typeface="微软雅黑" pitchFamily="34" charset="-122"/>
                 <a:ea typeface="微软雅黑" pitchFamily="34" charset="-122"/>
               </a:rPr>
-              <a:t>.</a:t>
-            </a:r>
-            <a:r>
-              <a:rPr lang="zh-CN" altLang="en-US" dirty="0" smtClean="0">
-                <a:solidFill>
-                  <a:schemeClr val="tx1">
-                    <a:lumMod val="75000"/>
-                    <a:lumOff val="25000"/>
-                  </a:schemeClr>
-                </a:solidFill>
-                <a:latin typeface="微软雅黑" pitchFamily="34" charset="-122"/>
-                <a:ea typeface="微软雅黑" pitchFamily="34" charset="-122"/>
-              </a:rPr>
-              <a:t>立方体的面设为</a:t>
-            </a:r>
-            <a:r>
-              <a:rPr lang="zh-CN" altLang="en-US" dirty="0" smtClean="0">
-                <a:solidFill>
-                  <a:schemeClr val="tx1">
-                    <a:lumMod val="75000"/>
-                    <a:lumOff val="25000"/>
-                  </a:schemeClr>
-                </a:solidFill>
-                <a:latin typeface="微软雅黑" pitchFamily="34" charset="-122"/>
-                <a:ea typeface="微软雅黑" pitchFamily="34" charset="-122"/>
-              </a:rPr>
-              <a:t>白色，我们发现，每个面之间是有空隙的，因为我们原先想要做成圆角的边缘，这样透过空袭就可以看到立方体内部，或者页面背景，非常的糟糕，我们需要完全遮挡空袭，并且让立方体更有立体感。</a:t>
+              <a:t>立方体的面设为白色，我们发现，每个面之间是有空隙的，因为我们原先想要做成圆角的边缘，这样透过空袭就可以看到立方体内部，或者页面背景，非常的糟糕，我们需要完全遮挡空袭，并且让立方体更有立体感。</a:t>
             </a:r>
             <a:endParaRPr lang="en-US" altLang="zh-CN" dirty="0" smtClean="0">
               <a:solidFill>
@@ -10128,8 +10030,12 @@
               </a:lnSpc>
             </a:pPr>
             <a:r>
+              <a:rPr lang="en-US" altLang="zh-CN" dirty="0"/>
+              <a:t>i</a:t>
+            </a:r>
+            <a:r>
               <a:rPr lang="en-US" altLang="zh-CN" dirty="0" smtClean="0"/>
-              <a:t>f.</a:t>
+              <a:t>.</a:t>
             </a:r>
             <a:r>
               <a:rPr lang="zh-CN" altLang="en-US" dirty="0" smtClean="0"/>
@@ -11346,20 +11252,7 @@
                 <a:latin typeface="微软雅黑" pitchFamily="34" charset="-122"/>
                 <a:ea typeface="微软雅黑" pitchFamily="34" charset="-122"/>
               </a:rPr>
-              <a:t>5</a:t>
-            </a:r>
-            <a:r>
-              <a:rPr lang="en-US" altLang="zh-CN" sz="2800" dirty="0" smtClean="0">
-                <a:solidFill>
-                  <a:schemeClr val="tx1">
-                    <a:lumMod val="75000"/>
-                    <a:lumOff val="25000"/>
-                  </a:schemeClr>
-                </a:solidFill>
-                <a:latin typeface="微软雅黑" pitchFamily="34" charset="-122"/>
-                <a:ea typeface="微软雅黑" pitchFamily="34" charset="-122"/>
-              </a:rPr>
-              <a:t>.</a:t>
+              <a:t>5.</a:t>
             </a:r>
             <a:r>
               <a:rPr lang="zh-CN" altLang="en-US" sz="2800" dirty="0" smtClean="0">
@@ -13425,20 +13318,7 @@
                 <a:latin typeface="微软雅黑" pitchFamily="34" charset="-122"/>
                 <a:ea typeface="微软雅黑" pitchFamily="34" charset="-122"/>
               </a:rPr>
-              <a:t>下期预告，旋转的</a:t>
-            </a:r>
-            <a:r>
-              <a:rPr lang="zh-CN" altLang="en-US" sz="2800" dirty="0" smtClean="0">
-                <a:solidFill>
-                  <a:schemeClr val="tx1">
-                    <a:lumMod val="75000"/>
-                    <a:lumOff val="25000"/>
-                  </a:schemeClr>
-                </a:solidFill>
-                <a:latin typeface="微软雅黑" pitchFamily="34" charset="-122"/>
-                <a:ea typeface="微软雅黑" pitchFamily="34" charset="-122"/>
-              </a:rPr>
-              <a:t>筛子（二）！</a:t>
+              <a:t>下期预告，旋转的筛子（二）！</a:t>
             </a:r>
             <a:endParaRPr lang="zh-CN" altLang="en-US" sz="2800" dirty="0">
               <a:solidFill>
@@ -13859,20 +13739,7 @@
                 <a:latin typeface="微软雅黑" pitchFamily="34" charset="-122"/>
                 <a:ea typeface="微软雅黑" pitchFamily="34" charset="-122"/>
               </a:rPr>
-              <a:t>a</a:t>
-            </a:r>
-            <a:r>
-              <a:rPr lang="en-US" altLang="zh-CN" sz="2000" dirty="0" smtClean="0">
-                <a:solidFill>
-                  <a:schemeClr val="tx1">
-                    <a:lumMod val="75000"/>
-                    <a:lumOff val="25000"/>
-                  </a:schemeClr>
-                </a:solidFill>
-                <a:latin typeface="微软雅黑" pitchFamily="34" charset="-122"/>
-                <a:ea typeface="微软雅黑" pitchFamily="34" charset="-122"/>
-              </a:rPr>
-              <a:t>.</a:t>
+              <a:t>a.</a:t>
             </a:r>
             <a:r>
               <a:rPr lang="zh-CN" altLang="en-US" sz="2000" dirty="0">
@@ -14434,20 +14301,7 @@
                 <a:latin typeface="微软雅黑" pitchFamily="34" charset="-122"/>
                 <a:ea typeface="微软雅黑" pitchFamily="34" charset="-122"/>
               </a:rPr>
-              <a:t>b</a:t>
-            </a:r>
-            <a:r>
-              <a:rPr lang="en-US" altLang="zh-CN" sz="2000" dirty="0" smtClean="0">
-                <a:solidFill>
-                  <a:schemeClr val="tx1">
-                    <a:lumMod val="75000"/>
-                    <a:lumOff val="25000"/>
-                  </a:schemeClr>
-                </a:solidFill>
-                <a:latin typeface="微软雅黑" pitchFamily="34" charset="-122"/>
-                <a:ea typeface="微软雅黑" pitchFamily="34" charset="-122"/>
-              </a:rPr>
-              <a:t>.</a:t>
+              <a:t>b.</a:t>
             </a:r>
             <a:r>
               <a:rPr lang="zh-CN" altLang="en-US" sz="2000" dirty="0" smtClean="0">
@@ -14799,16 +14653,6 @@
               </a:rPr>
               <a:t>排兵布阵</a:t>
             </a:r>
-            <a:endParaRPr lang="zh-CN" altLang="en-US" sz="2000" dirty="0">
-              <a:solidFill>
-                <a:schemeClr val="tx1">
-                  <a:lumMod val="75000"/>
-                  <a:lumOff val="25000"/>
-                </a:schemeClr>
-              </a:solidFill>
-              <a:latin typeface="微软雅黑" pitchFamily="34" charset="-122"/>
-              <a:ea typeface="微软雅黑" pitchFamily="34" charset="-122"/>
-            </a:endParaRPr>
           </a:p>
         </p:txBody>
       </p:sp>
@@ -15226,15 +15070,7 @@
             </a:pPr>
             <a:r>
               <a:rPr lang="zh-CN" altLang="en-US" dirty="0" smtClean="0"/>
-              <a:t>父元素设为</a:t>
-            </a:r>
-            <a:r>
-              <a:rPr lang="zh-CN" altLang="en-US" dirty="0" smtClean="0"/>
-              <a:t>弹性盒</a:t>
-            </a:r>
-            <a:r>
-              <a:rPr lang="zh-CN" altLang="en-US" dirty="0" smtClean="0"/>
-              <a:t>布局，</a:t>
+              <a:t>父元素设为弹性盒布局，</a:t>
             </a:r>
             <a:endParaRPr lang="en-US" altLang="zh-CN" dirty="0" smtClean="0"/>
           </a:p>
@@ -15448,11 +15284,7 @@
             </a:pPr>
             <a:r>
               <a:rPr lang="en-US" altLang="zh-CN" dirty="0" smtClean="0"/>
-              <a:t>a</a:t>
-            </a:r>
-            <a:r>
-              <a:rPr lang="en-US" altLang="zh-CN" dirty="0" smtClean="0"/>
-              <a:t>lign-items:</a:t>
+              <a:t>align-items:</a:t>
             </a:r>
             <a:r>
               <a:rPr lang="zh-CN" altLang="en-US" dirty="0" smtClean="0"/>
